--- a/LLM学習・推論に必要なPCスペック検討.pptx
+++ b/LLM学習・推論に必要なPCスペック検討.pptx
@@ -7097,7 +7097,7 @@
             </a:r>
             <a:r>
               <a:rPr lang="ja-JP" altLang="en-US" sz="2800" dirty="0"/>
-              <a:t>で追加データのみ学習するので追加で</a:t>
+              <a:t>で追加データのみ学習するので学習時に</a:t>
             </a:r>
             <a:r>
               <a:rPr lang="ja-JP" altLang="en-US" sz="2800" b="1" dirty="0">
@@ -7368,7 +7368,7 @@
             </a:pPr>
             <a:r>
               <a:rPr lang="ja-JP" altLang="en-US" sz="2800" dirty="0"/>
-              <a:t>作成するモデルの規模にもよるが、</a:t>
+              <a:t>作成するモデルの規模にもよるが、初期導入としては</a:t>
             </a:r>
             <a:r>
               <a:rPr lang="en-US" altLang="ja-JP" sz="2800" dirty="0"/>
@@ -7441,7 +7441,7 @@
             </a:pPr>
             <a:r>
               <a:rPr lang="ja-JP" altLang="en-US" sz="2800" dirty="0"/>
-              <a:t>時間があるのなら以降で紹介する</a:t>
+              <a:t>時間があるのなら、以降で紹介する</a:t>
             </a:r>
             <a:r>
               <a:rPr lang="en-US" altLang="ja-JP" sz="2800" dirty="0"/>
@@ -7651,14 +7651,14 @@
           <p:nvPr>
             <p:extLst>
               <p:ext uri="{D42A27DB-BD31-4B8C-83A1-F6EECF244321}">
-                <p14:modId xmlns:p14="http://schemas.microsoft.com/office/powerpoint/2010/main" val="1297503966"/>
+                <p14:modId xmlns:p14="http://schemas.microsoft.com/office/powerpoint/2010/main" val="1725297561"/>
               </p:ext>
             </p:extLst>
           </p:nvPr>
         </p:nvGraphicFramePr>
         <p:xfrm>
           <a:off x="497776" y="3129618"/>
-          <a:ext cx="17292446" cy="5638068"/>
+          <a:ext cx="17292446" cy="5676232"/>
         </p:xfrm>
         <a:graphic>
           <a:graphicData uri="http://schemas.openxmlformats.org/drawingml/2006/table">
@@ -7771,8 +7771,19 @@
                     <a:p>
                       <a:r>
                         <a:rPr kumimoji="1" lang="en-US" altLang="ja-JP" sz="1500" dirty="0"/>
-                        <a:t>float32</a:t>
+                        <a:t>Float32</a:t>
                       </a:r>
+                    </a:p>
+                    <a:p>
+                      <a:r>
+                        <a:rPr kumimoji="1" lang="en-US" altLang="ja-JP" sz="1500" dirty="0"/>
+                        <a:t>VRAM</a:t>
+                      </a:r>
+                      <a:r>
+                        <a:rPr kumimoji="1" lang="ja-JP" altLang="en-US" sz="1500" dirty="0"/>
+                        <a:t>必要量</a:t>
+                      </a:r>
+                      <a:endParaRPr kumimoji="1" lang="en-US" altLang="ja-JP" sz="1500" dirty="0"/>
                     </a:p>
                   </a:txBody>
                   <a:tcPr marL="137139" marR="137139" marT="68569" marB="68569"/>
@@ -7784,9 +7795,36 @@
                     <a:p>
                       <a:r>
                         <a:rPr kumimoji="1" lang="en-US" altLang="ja-JP" sz="1500" dirty="0"/>
-                        <a:t>float16</a:t>
+                        <a:t>Float16</a:t>
                       </a:r>
-                      <a:endParaRPr kumimoji="1" lang="ja-JP" altLang="en-US" sz="1500" dirty="0"/>
+                    </a:p>
+                    <a:p>
+                      <a:pPr marL="0" marR="0" lvl="0" indent="0" algn="l" defTabSz="1371417" rtl="0" eaLnBrk="1" fontAlgn="auto" latinLnBrk="0" hangingPunct="1">
+                        <a:lnSpc>
+                          <a:spcPct val="100000"/>
+                        </a:lnSpc>
+                        <a:spcBef>
+                          <a:spcPts val="0"/>
+                        </a:spcBef>
+                        <a:spcAft>
+                          <a:spcPts val="0"/>
+                        </a:spcAft>
+                        <a:buClrTx/>
+                        <a:buSzTx/>
+                        <a:buFontTx/>
+                        <a:buNone/>
+                        <a:tabLst/>
+                        <a:defRPr/>
+                      </a:pPr>
+                      <a:r>
+                        <a:rPr kumimoji="1" lang="en-US" altLang="ja-JP" sz="1500" dirty="0"/>
+                        <a:t>VRAM</a:t>
+                      </a:r>
+                      <a:r>
+                        <a:rPr kumimoji="1" lang="ja-JP" altLang="en-US" sz="1500" dirty="0"/>
+                        <a:t>必要量</a:t>
+                      </a:r>
+                      <a:endParaRPr kumimoji="1" lang="en-US" altLang="ja-JP" sz="1500" dirty="0"/>
                     </a:p>
                   </a:txBody>
                   <a:tcPr marL="137139" marR="137139" marT="68569" marB="68569"/>
@@ -7798,9 +7836,36 @@
                     <a:p>
                       <a:r>
                         <a:rPr kumimoji="1" lang="en-US" altLang="ja-JP" sz="1500" dirty="0"/>
-                        <a:t>int8</a:t>
+                        <a:t>Int8</a:t>
                       </a:r>
-                      <a:endParaRPr kumimoji="1" lang="ja-JP" altLang="en-US" sz="1500" dirty="0"/>
+                    </a:p>
+                    <a:p>
+                      <a:pPr marL="0" marR="0" lvl="0" indent="0" algn="l" defTabSz="1371417" rtl="0" eaLnBrk="1" fontAlgn="auto" latinLnBrk="0" hangingPunct="1">
+                        <a:lnSpc>
+                          <a:spcPct val="100000"/>
+                        </a:lnSpc>
+                        <a:spcBef>
+                          <a:spcPts val="0"/>
+                        </a:spcBef>
+                        <a:spcAft>
+                          <a:spcPts val="0"/>
+                        </a:spcAft>
+                        <a:buClrTx/>
+                        <a:buSzTx/>
+                        <a:buFontTx/>
+                        <a:buNone/>
+                        <a:tabLst/>
+                        <a:defRPr/>
+                      </a:pPr>
+                      <a:r>
+                        <a:rPr kumimoji="1" lang="en-US" altLang="ja-JP" sz="1500" dirty="0"/>
+                        <a:t>VRAM</a:t>
+                      </a:r>
+                      <a:r>
+                        <a:rPr kumimoji="1" lang="ja-JP" altLang="en-US" sz="1500" dirty="0"/>
+                        <a:t>必要量</a:t>
+                      </a:r>
+                      <a:endParaRPr kumimoji="1" lang="en-US" altLang="ja-JP" sz="1500" dirty="0"/>
                     </a:p>
                   </a:txBody>
                   <a:tcPr marL="137139" marR="137139" marT="68569" marB="68569"/>
@@ -7818,6 +7883,35 @@
                         <a:rPr kumimoji="1" lang="ja-JP" altLang="en-US" sz="1500" dirty="0"/>
                         <a:t>量子化</a:t>
                       </a:r>
+                      <a:endParaRPr kumimoji="1" lang="en-US" altLang="ja-JP" sz="1500" dirty="0"/>
+                    </a:p>
+                    <a:p>
+                      <a:pPr marL="0" marR="0" lvl="0" indent="0" algn="l" defTabSz="1371417" rtl="0" eaLnBrk="1" fontAlgn="auto" latinLnBrk="0" hangingPunct="1">
+                        <a:lnSpc>
+                          <a:spcPct val="100000"/>
+                        </a:lnSpc>
+                        <a:spcBef>
+                          <a:spcPts val="0"/>
+                        </a:spcBef>
+                        <a:spcAft>
+                          <a:spcPts val="0"/>
+                        </a:spcAft>
+                        <a:buClrTx/>
+                        <a:buSzTx/>
+                        <a:buFontTx/>
+                        <a:buNone/>
+                        <a:tabLst/>
+                        <a:defRPr/>
+                      </a:pPr>
+                      <a:r>
+                        <a:rPr kumimoji="1" lang="en-US" altLang="ja-JP" sz="1500" dirty="0"/>
+                        <a:t>VRAM</a:t>
+                      </a:r>
+                      <a:r>
+                        <a:rPr kumimoji="1" lang="ja-JP" altLang="en-US" sz="1500" dirty="0"/>
+                        <a:t>必要量</a:t>
+                      </a:r>
+                      <a:endParaRPr kumimoji="1" lang="en-US" altLang="ja-JP" sz="1500" dirty="0"/>
                     </a:p>
                   </a:txBody>
                   <a:tcPr marL="137139" marR="137139" marT="68569" marB="68569"/>
@@ -7960,7 +8054,8 @@
                     <a:bodyPr/>
                     <a:lstStyle/>
                     <a:p>
-                      <a:endParaRPr kumimoji="1" lang="ja-JP" altLang="en-US" sz="1500"/>
+                      <a:pPr algn="ctr"/>
+                      <a:endParaRPr kumimoji="1" lang="ja-JP" altLang="en-US" sz="1500" dirty="0"/>
                     </a:p>
                   </a:txBody>
                   <a:tcPr marL="137139" marR="137139" marT="68569" marB="68569"/>
@@ -8074,6 +8169,7 @@
                     <a:bodyPr/>
                     <a:lstStyle/>
                     <a:p>
+                      <a:pPr algn="ctr"/>
                       <a:endParaRPr kumimoji="1" lang="ja-JP" altLang="en-US" sz="1600" b="1" dirty="0">
                         <a:solidFill>
                           <a:srgbClr val="FF0000"/>
@@ -8196,6 +8292,7 @@
                     <a:bodyPr/>
                     <a:lstStyle/>
                     <a:p>
+                      <a:pPr algn="ctr"/>
                       <a:endParaRPr kumimoji="1" lang="ja-JP" altLang="en-US" sz="1600" b="1" dirty="0">
                         <a:solidFill>
                           <a:srgbClr val="FF0000"/>
@@ -8319,6 +8416,7 @@
                     <a:bodyPr/>
                     <a:lstStyle/>
                     <a:p>
+                      <a:pPr algn="ctr"/>
                       <a:r>
                         <a:rPr kumimoji="1" lang="ja-JP" altLang="en-US" sz="1600" b="1" dirty="0">
                           <a:solidFill>
@@ -8445,6 +8543,7 @@
                     <a:bodyPr/>
                     <a:lstStyle/>
                     <a:p>
+                      <a:pPr algn="ctr"/>
                       <a:endParaRPr kumimoji="1" lang="ja-JP" altLang="en-US" sz="1600" b="1" dirty="0">
                         <a:solidFill>
                           <a:srgbClr val="FF0000"/>
@@ -8560,7 +8659,7 @@
                     <a:bodyPr/>
                     <a:lstStyle/>
                     <a:p>
-                      <a:pPr marL="0" marR="0" lvl="0" indent="0" algn="l" defTabSz="914400" rtl="0" eaLnBrk="1" fontAlgn="auto" latinLnBrk="0" hangingPunct="1">
+                      <a:pPr marL="0" marR="0" lvl="0" indent="0" algn="ctr" defTabSz="914400" rtl="0" eaLnBrk="1" fontAlgn="auto" latinLnBrk="0" hangingPunct="1">
                         <a:lnSpc>
                           <a:spcPct val="100000"/>
                         </a:lnSpc>
@@ -8713,7 +8812,7 @@
                     <a:bodyPr/>
                     <a:lstStyle/>
                     <a:p>
-                      <a:pPr marL="0" marR="0" lvl="0" indent="0" algn="l" defTabSz="914400" rtl="0" eaLnBrk="1" fontAlgn="auto" latinLnBrk="0" hangingPunct="1">
+                      <a:pPr marL="0" marR="0" lvl="0" indent="0" algn="ctr" defTabSz="914400" rtl="0" eaLnBrk="1" fontAlgn="auto" latinLnBrk="0" hangingPunct="1">
                         <a:lnSpc>
                           <a:spcPct val="100000"/>
                         </a:lnSpc>
@@ -8852,6 +8951,7 @@
                     <a:bodyPr/>
                     <a:lstStyle/>
                     <a:p>
+                      <a:pPr algn="ctr"/>
                       <a:endParaRPr kumimoji="1" lang="ja-JP" altLang="en-US" sz="1600" b="1" dirty="0">
                         <a:solidFill>
                           <a:srgbClr val="FF0000"/>
@@ -8971,6 +9071,7 @@
                     <a:bodyPr/>
                     <a:lstStyle/>
                     <a:p>
+                      <a:pPr algn="ctr"/>
                       <a:endParaRPr kumimoji="1" lang="ja-JP" altLang="en-US" sz="1500" dirty="0"/>
                     </a:p>
                   </a:txBody>
@@ -9063,7 +9164,7 @@
           <a:p>
             <a:r>
               <a:rPr kumimoji="1" lang="en-US" altLang="ja-JP" sz="2100" dirty="0"/>
-              <a:t>16bit Float =   2Byte/</a:t>
+              <a:t>16bit Float   =   2Byte/</a:t>
             </a:r>
             <a:r>
               <a:rPr kumimoji="1" lang="ja-JP" altLang="en-US" sz="2100" dirty="0"/>
@@ -9090,7 +9191,15 @@
           <a:p>
             <a:r>
               <a:rPr kumimoji="1" lang="en-US" altLang="ja-JP" sz="2100" dirty="0"/>
-              <a:t>Int8            =   1Byte/</a:t>
+              <a:t>Int8            </a:t>
+            </a:r>
+            <a:r>
+              <a:rPr kumimoji="1" lang="ja-JP" altLang="en-US" sz="2100" dirty="0"/>
+              <a:t>   </a:t>
+            </a:r>
+            <a:r>
+              <a:rPr kumimoji="1" lang="en-US" altLang="ja-JP" sz="2100" dirty="0"/>
+              <a:t>=   1Byte/</a:t>
             </a:r>
             <a:r>
               <a:rPr kumimoji="1" lang="ja-JP" altLang="en-US" sz="2100" dirty="0"/>
@@ -9170,7 +9279,7 @@
         <p:spPr>
           <a:xfrm>
             <a:off x="516407" y="8809917"/>
-            <a:ext cx="16405855" cy="1384995"/>
+            <a:ext cx="16405855" cy="1477328"/>
           </a:xfrm>
           <a:prstGeom prst="rect">
             <a:avLst/>
@@ -9184,93 +9293,100 @@
           <a:lstStyle/>
           <a:p>
             <a:r>
-              <a:rPr kumimoji="1" lang="ja-JP" altLang="en-US" sz="2100" dirty="0"/>
+              <a:rPr kumimoji="1" lang="ja-JP" altLang="en-US" dirty="0"/>
               <a:t>推論だけを想定すると</a:t>
             </a:r>
             <a:r>
-              <a:rPr kumimoji="1" lang="en-US" altLang="ja-JP" sz="2100" dirty="0"/>
+              <a:rPr kumimoji="1" lang="en-US" altLang="ja-JP" dirty="0"/>
               <a:t>Int8/4bit</a:t>
             </a:r>
             <a:r>
-              <a:rPr kumimoji="1" lang="ja-JP" altLang="en-US" sz="2100" dirty="0"/>
-              <a:t>量子化等を用いると８</a:t>
-            </a:r>
-            <a:r>
-              <a:rPr kumimoji="1" lang="en-US" altLang="ja-JP" sz="2100" dirty="0"/>
-              <a:t>GB</a:t>
-            </a:r>
-            <a:r>
-              <a:rPr kumimoji="1" lang="ja-JP" altLang="en-US" sz="2100" dirty="0"/>
+              <a:rPr kumimoji="1" lang="ja-JP" altLang="en-US" dirty="0"/>
+              <a:t>量子化等を用いると</a:t>
+            </a:r>
+            <a:r>
+              <a:rPr kumimoji="1" lang="en-US" altLang="ja-JP" dirty="0"/>
+              <a:t>8GB</a:t>
+            </a:r>
+            <a:r>
+              <a:rPr kumimoji="1" lang="ja-JP" altLang="en-US" dirty="0"/>
               <a:t>の</a:t>
             </a:r>
             <a:r>
-              <a:rPr kumimoji="1" lang="en-US" altLang="ja-JP" sz="2100" dirty="0"/>
+              <a:rPr kumimoji="1" lang="en-US" altLang="ja-JP" dirty="0"/>
               <a:t>VRAM</a:t>
             </a:r>
             <a:r>
-              <a:rPr kumimoji="1" lang="ja-JP" altLang="en-US" sz="2100" dirty="0"/>
+              <a:rPr kumimoji="1" lang="ja-JP" altLang="en-US" dirty="0"/>
               <a:t>を乗せた</a:t>
             </a:r>
             <a:r>
-              <a:rPr kumimoji="1" lang="en-US" altLang="ja-JP" sz="2100" dirty="0"/>
+              <a:rPr kumimoji="1" lang="en-US" altLang="ja-JP" dirty="0"/>
               <a:t>GPU</a:t>
             </a:r>
             <a:r>
-              <a:rPr kumimoji="1" lang="ja-JP" altLang="en-US" sz="2100" dirty="0"/>
-              <a:t>でも動作すると考えられる。</a:t>
-            </a:r>
-            <a:endParaRPr kumimoji="1" lang="en-US" altLang="ja-JP" sz="2100" dirty="0"/>
-          </a:p>
-          <a:p>
-            <a:r>
-              <a:rPr kumimoji="1" lang="ja-JP" altLang="en-US" sz="2100" dirty="0"/>
-              <a:t>とりあえず動かしてみる的な場合は８</a:t>
-            </a:r>
-            <a:r>
-              <a:rPr kumimoji="1" lang="en-US" altLang="ja-JP" sz="2100" dirty="0"/>
-              <a:t>GB</a:t>
-            </a:r>
-            <a:r>
-              <a:rPr kumimoji="1" lang="ja-JP" altLang="en-US" sz="2100" dirty="0"/>
+              <a:rPr kumimoji="1" lang="ja-JP" altLang="en-US" dirty="0"/>
+              <a:t>でも動作するものもある。</a:t>
+            </a:r>
+            <a:endParaRPr kumimoji="1" lang="en-US" altLang="ja-JP" dirty="0"/>
+          </a:p>
+          <a:p>
+            <a:r>
+              <a:rPr kumimoji="1" lang="ja-JP" altLang="en-US" dirty="0"/>
+              <a:t>とりあえず推論だけ動かしてみる的な場合は</a:t>
+            </a:r>
+            <a:r>
+              <a:rPr kumimoji="1" lang="en-US" altLang="ja-JP" dirty="0"/>
+              <a:t>8GB</a:t>
+            </a:r>
+            <a:r>
+              <a:rPr kumimoji="1" lang="ja-JP" altLang="en-US" dirty="0"/>
               <a:t>で良いかもしれない。</a:t>
             </a:r>
-            <a:endParaRPr kumimoji="1" lang="en-US" altLang="ja-JP" sz="2100" dirty="0"/>
-          </a:p>
-          <a:p>
-            <a:r>
-              <a:rPr kumimoji="1" lang="ja-JP" altLang="en-US" sz="2100" dirty="0"/>
+            <a:endParaRPr kumimoji="1" lang="en-US" altLang="ja-JP" dirty="0"/>
+          </a:p>
+          <a:p>
+            <a:r>
+              <a:rPr kumimoji="1" lang="ja-JP" altLang="en-US" dirty="0"/>
+              <a:t>オープン利用可能なものもいくつかある。</a:t>
+            </a:r>
+            <a:endParaRPr kumimoji="1" lang="en-US" altLang="ja-JP" dirty="0"/>
+          </a:p>
+          <a:p>
+            <a:r>
+              <a:rPr kumimoji="1" lang="ja-JP" altLang="en-US" dirty="0"/>
               <a:t>ただ、将来的な事や処理速度等を考えると</a:t>
             </a:r>
             <a:r>
-              <a:rPr kumimoji="1" lang="en-US" altLang="ja-JP" sz="2100" dirty="0"/>
+              <a:rPr kumimoji="1" lang="en-US" altLang="ja-JP" dirty="0"/>
               <a:t>VRAM</a:t>
             </a:r>
             <a:r>
-              <a:rPr kumimoji="1" lang="ja-JP" altLang="en-US" sz="2100" dirty="0"/>
+              <a:rPr kumimoji="1" lang="ja-JP" altLang="en-US" dirty="0"/>
               <a:t>は有るに越したことは無いと考える。いきなり</a:t>
             </a:r>
             <a:r>
-              <a:rPr kumimoji="1" lang="en-US" altLang="ja-JP" sz="2100" dirty="0"/>
+              <a:rPr kumimoji="1" lang="en-US" altLang="ja-JP" dirty="0"/>
               <a:t>Quadro</a:t>
             </a:r>
             <a:r>
-              <a:rPr kumimoji="1" lang="ja-JP" altLang="en-US" sz="2100" dirty="0"/>
+              <a:rPr kumimoji="1" lang="ja-JP" altLang="en-US" dirty="0"/>
               <a:t>レベルを導入するのは無謀とも考えられるので、</a:t>
             </a:r>
             <a:r>
-              <a:rPr kumimoji="1" lang="en-US" altLang="ja-JP" sz="2100" dirty="0"/>
+              <a:rPr kumimoji="1" lang="en-US" altLang="ja-JP" dirty="0"/>
               <a:t>RTX4000</a:t>
             </a:r>
             <a:r>
-              <a:rPr kumimoji="1" lang="ja-JP" altLang="en-US" sz="2100" dirty="0"/>
+              <a:rPr kumimoji="1" lang="ja-JP" altLang="en-US" dirty="0"/>
               <a:t>シリーズの上位</a:t>
             </a:r>
             <a:r>
-              <a:rPr kumimoji="1" lang="en-US" altLang="ja-JP" sz="2100" dirty="0"/>
+              <a:rPr kumimoji="1" lang="en-US" altLang="ja-JP" dirty="0"/>
               <a:t>GPU</a:t>
             </a:r>
             <a:r>
-              <a:rPr kumimoji="1" lang="ja-JP" altLang="en-US" sz="2100" dirty="0"/>
+              <a:rPr kumimoji="1" lang="ja-JP" altLang="en-US" dirty="0"/>
               <a:t>を導入してはどうだろうか。</a:t>
             </a:r>
           </a:p>
